--- a/images/aws-ci-iac.pptx
+++ b/images/aws-ci-iac.pptx
@@ -104,6 +104,11 @@
       </a:defRPr>
     </a:lvl9pPr>
   </p:defaultTextStyle>
+  <p:extLst>
+    <p:ext uri="{EFAFB233-063F-42B5-8137-9DF3F51BA10A}">
+      <p15:sldGuideLst xmlns:p15="http://schemas.microsoft.com/office/powerpoint/2012/main"/>
+    </p:ext>
+  </p:extLst>
 </p:presentation>
 </file>
 
@@ -254,7 +259,7 @@
           <a:p>
             <a:fld id="{7ECF1FF4-F224-475C-B88B-19229DC83CA9}" type="datetimeFigureOut">
               <a:rPr lang="en-US" smtClean="0"/>
-              <a:t>10/17/2023</a:t>
+              <a:t>11/6/2023</a:t>
             </a:fld>
             <a:endParaRPr lang="en-US"/>
           </a:p>
@@ -452,7 +457,7 @@
           <a:p>
             <a:fld id="{7ECF1FF4-F224-475C-B88B-19229DC83CA9}" type="datetimeFigureOut">
               <a:rPr lang="en-US" smtClean="0"/>
-              <a:t>10/17/2023</a:t>
+              <a:t>11/6/2023</a:t>
             </a:fld>
             <a:endParaRPr lang="en-US"/>
           </a:p>
@@ -660,7 +665,7 @@
           <a:p>
             <a:fld id="{7ECF1FF4-F224-475C-B88B-19229DC83CA9}" type="datetimeFigureOut">
               <a:rPr lang="en-US" smtClean="0"/>
-              <a:t>10/17/2023</a:t>
+              <a:t>11/6/2023</a:t>
             </a:fld>
             <a:endParaRPr lang="en-US"/>
           </a:p>
@@ -858,7 +863,7 @@
           <a:p>
             <a:fld id="{7ECF1FF4-F224-475C-B88B-19229DC83CA9}" type="datetimeFigureOut">
               <a:rPr lang="en-US" smtClean="0"/>
-              <a:t>10/17/2023</a:t>
+              <a:t>11/6/2023</a:t>
             </a:fld>
             <a:endParaRPr lang="en-US"/>
           </a:p>
@@ -1133,7 +1138,7 @@
           <a:p>
             <a:fld id="{7ECF1FF4-F224-475C-B88B-19229DC83CA9}" type="datetimeFigureOut">
               <a:rPr lang="en-US" smtClean="0"/>
-              <a:t>10/17/2023</a:t>
+              <a:t>11/6/2023</a:t>
             </a:fld>
             <a:endParaRPr lang="en-US"/>
           </a:p>
@@ -1398,7 +1403,7 @@
           <a:p>
             <a:fld id="{7ECF1FF4-F224-475C-B88B-19229DC83CA9}" type="datetimeFigureOut">
               <a:rPr lang="en-US" smtClean="0"/>
-              <a:t>10/17/2023</a:t>
+              <a:t>11/6/2023</a:t>
             </a:fld>
             <a:endParaRPr lang="en-US"/>
           </a:p>
@@ -1810,7 +1815,7 @@
           <a:p>
             <a:fld id="{7ECF1FF4-F224-475C-B88B-19229DC83CA9}" type="datetimeFigureOut">
               <a:rPr lang="en-US" smtClean="0"/>
-              <a:t>10/17/2023</a:t>
+              <a:t>11/6/2023</a:t>
             </a:fld>
             <a:endParaRPr lang="en-US"/>
           </a:p>
@@ -1951,7 +1956,7 @@
           <a:p>
             <a:fld id="{7ECF1FF4-F224-475C-B88B-19229DC83CA9}" type="datetimeFigureOut">
               <a:rPr lang="en-US" smtClean="0"/>
-              <a:t>10/17/2023</a:t>
+              <a:t>11/6/2023</a:t>
             </a:fld>
             <a:endParaRPr lang="en-US"/>
           </a:p>
@@ -2064,7 +2069,7 @@
           <a:p>
             <a:fld id="{7ECF1FF4-F224-475C-B88B-19229DC83CA9}" type="datetimeFigureOut">
               <a:rPr lang="en-US" smtClean="0"/>
-              <a:t>10/17/2023</a:t>
+              <a:t>11/6/2023</a:t>
             </a:fld>
             <a:endParaRPr lang="en-US"/>
           </a:p>
@@ -2375,7 +2380,7 @@
           <a:p>
             <a:fld id="{7ECF1FF4-F224-475C-B88B-19229DC83CA9}" type="datetimeFigureOut">
               <a:rPr lang="en-US" smtClean="0"/>
-              <a:t>10/17/2023</a:t>
+              <a:t>11/6/2023</a:t>
             </a:fld>
             <a:endParaRPr lang="en-US"/>
           </a:p>
@@ -2663,7 +2668,7 @@
           <a:p>
             <a:fld id="{7ECF1FF4-F224-475C-B88B-19229DC83CA9}" type="datetimeFigureOut">
               <a:rPr lang="en-US" smtClean="0"/>
-              <a:t>10/17/2023</a:t>
+              <a:t>11/6/2023</a:t>
             </a:fld>
             <a:endParaRPr lang="en-US"/>
           </a:p>
@@ -2904,7 +2909,7 @@
           <a:p>
             <a:fld id="{7ECF1FF4-F224-475C-B88B-19229DC83CA9}" type="datetimeFigureOut">
               <a:rPr lang="en-US" smtClean="0"/>
-              <a:t>10/17/2023</a:t>
+              <a:t>11/6/2023</a:t>
             </a:fld>
             <a:endParaRPr lang="en-US"/>
           </a:p>
@@ -3323,10 +3328,10 @@
       </p:grpSpPr>
       <p:grpSp>
         <p:nvGrpSpPr>
-          <p:cNvPr id="20" name="Group 19">
-            <a:extLst>
-              <a:ext uri="{FF2B5EF4-FFF2-40B4-BE49-F238E27FC236}">
-                <a16:creationId xmlns:a16="http://schemas.microsoft.com/office/drawing/2014/main" id="{637FBE36-BDCD-5028-6989-8469C6D6D013}"/>
+          <p:cNvPr id="18" name="Group 17">
+            <a:extLst>
+              <a:ext uri="{FF2B5EF4-FFF2-40B4-BE49-F238E27FC236}">
+                <a16:creationId xmlns:a16="http://schemas.microsoft.com/office/drawing/2014/main" id="{662A07BA-E540-284D-B406-0ABDF6B25474}"/>
               </a:ext>
             </a:extLst>
           </p:cNvPr>
@@ -3335,112 +3340,7 @@
         </p:nvGrpSpPr>
         <p:grpSpPr>
           <a:xfrm>
-            <a:off x="985504" y="2367424"/>
-            <a:ext cx="1463862" cy="1109830"/>
-            <a:chOff x="1701287" y="2367424"/>
-            <a:chExt cx="1463862" cy="1109830"/>
-          </a:xfrm>
-        </p:grpSpPr>
-        <p:pic>
-          <p:nvPicPr>
-            <p:cNvPr id="1028" name="Picture 4" descr="AWS CodeCommit - AWS Developer Tools - AWS Video Catalog">
-              <a:extLst>
-                <a:ext uri="{FF2B5EF4-FFF2-40B4-BE49-F238E27FC236}">
-                  <a16:creationId xmlns:a16="http://schemas.microsoft.com/office/drawing/2014/main" id="{43C91F27-D044-C4D5-38C2-09350F981E01}"/>
-                </a:ext>
-              </a:extLst>
-            </p:cNvPr>
-            <p:cNvPicPr>
-              <a:picLocks noChangeAspect="1" noChangeArrowheads="1"/>
-            </p:cNvPicPr>
-            <p:nvPr/>
-          </p:nvPicPr>
-          <p:blipFill>
-            <a:blip r:embed="rId2">
-              <a:extLst>
-                <a:ext uri="{28A0092B-C50C-407E-A947-70E740481C1C}">
-                  <a14:useLocalDpi xmlns:a14="http://schemas.microsoft.com/office/drawing/2010/main" val="0"/>
-                </a:ext>
-              </a:extLst>
-            </a:blip>
-            <a:srcRect/>
-            <a:stretch>
-              <a:fillRect/>
-            </a:stretch>
-          </p:blipFill>
-          <p:spPr bwMode="auto">
-            <a:xfrm>
-              <a:off x="2074913" y="2367424"/>
-              <a:ext cx="707616" cy="707616"/>
-            </a:xfrm>
-            <a:prstGeom prst="rect">
-              <a:avLst/>
-            </a:prstGeom>
-            <a:noFill/>
-            <a:extLst>
-              <a:ext uri="{909E8E84-426E-40DD-AFC4-6F175D3DCCD1}">
-                <a14:hiddenFill xmlns:a14="http://schemas.microsoft.com/office/drawing/2010/main">
-                  <a:solidFill>
-                    <a:srgbClr val="FFFFFF"/>
-                  </a:solidFill>
-                </a14:hiddenFill>
-              </a:ext>
-            </a:extLst>
-          </p:spPr>
-        </p:pic>
-        <p:sp>
-          <p:nvSpPr>
-            <p:cNvPr id="7" name="TextBox 6">
-              <a:extLst>
-                <a:ext uri="{FF2B5EF4-FFF2-40B4-BE49-F238E27FC236}">
-                  <a16:creationId xmlns:a16="http://schemas.microsoft.com/office/drawing/2014/main" id="{7F868111-10B8-401D-666E-AF32F6043B4D}"/>
-                </a:ext>
-              </a:extLst>
-            </p:cNvPr>
-            <p:cNvSpPr txBox="1"/>
-            <p:nvPr/>
-          </p:nvSpPr>
-          <p:spPr>
-            <a:xfrm>
-              <a:off x="1701287" y="3107922"/>
-              <a:ext cx="1463862" cy="369332"/>
-            </a:xfrm>
-            <a:prstGeom prst="rect">
-              <a:avLst/>
-            </a:prstGeom>
-            <a:noFill/>
-          </p:spPr>
-          <p:txBody>
-            <a:bodyPr wrap="none" rtlCol="0">
-              <a:spAutoFit/>
-            </a:bodyPr>
-            <a:lstStyle/>
-            <a:p>
-              <a:pPr algn="ctr"/>
-              <a:r>
-                <a:rPr lang="en-US" dirty="0" err="1"/>
-                <a:t>CodeCommit</a:t>
-              </a:r>
-              <a:endParaRPr lang="en-US" dirty="0"/>
-            </a:p>
-          </p:txBody>
-        </p:sp>
-      </p:grpSp>
-      <p:grpSp>
-        <p:nvGrpSpPr>
-          <p:cNvPr id="18" name="Group 17">
-            <a:extLst>
-              <a:ext uri="{FF2B5EF4-FFF2-40B4-BE49-F238E27FC236}">
-                <a16:creationId xmlns:a16="http://schemas.microsoft.com/office/drawing/2014/main" id="{662A07BA-E540-284D-B406-0ABDF6B25474}"/>
-              </a:ext>
-            </a:extLst>
-          </p:cNvPr>
-          <p:cNvGrpSpPr/>
-          <p:nvPr/>
-        </p:nvGrpSpPr>
-        <p:grpSpPr>
-          <a:xfrm>
-            <a:off x="3555963" y="4605248"/>
+            <a:off x="7953689" y="4670106"/>
             <a:ext cx="1141659" cy="1109830"/>
             <a:chOff x="4394614" y="2367424"/>
             <a:chExt cx="1141659" cy="1109830"/>
@@ -3461,7 +3361,7 @@
             <p:nvPr/>
           </p:nvPicPr>
           <p:blipFill>
-            <a:blip r:embed="rId3">
+            <a:blip r:embed="rId2">
               <a:extLst>
                 <a:ext uri="{28A0092B-C50C-407E-A947-70E740481C1C}">
                   <a14:useLocalDpi xmlns:a14="http://schemas.microsoft.com/office/drawing/2010/main" val="0"/>
@@ -3522,10 +3422,9 @@
             <a:lstStyle/>
             <a:p>
               <a:r>
-                <a:rPr lang="en-US" dirty="0" err="1"/>
+                <a:rPr lang="en-US" dirty="0"/>
                 <a:t>CodeBuild</a:t>
               </a:r>
-              <a:endParaRPr lang="en-US" dirty="0"/>
             </a:p>
           </p:txBody>
         </p:sp>
@@ -3544,7 +3443,7 @@
         </p:nvGrpSpPr>
         <p:grpSpPr>
           <a:xfrm>
-            <a:off x="3652726" y="2367424"/>
+            <a:off x="7904992" y="2641753"/>
             <a:ext cx="931665" cy="1109830"/>
             <a:chOff x="3231249" y="2367424"/>
             <a:chExt cx="931665" cy="1109830"/>
@@ -3565,7 +3464,7 @@
             <p:nvPr/>
           </p:nvPicPr>
           <p:blipFill>
-            <a:blip r:embed="rId4"/>
+            <a:blip r:embed="rId3"/>
             <a:stretch>
               <a:fillRect/>
             </a:stretch>
@@ -3631,7 +3530,7 @@
         </p:nvGrpSpPr>
         <p:grpSpPr>
           <a:xfrm>
-            <a:off x="5950731" y="2361230"/>
+            <a:off x="10143024" y="2595137"/>
             <a:ext cx="1325876" cy="1116024"/>
             <a:chOff x="5950731" y="2361230"/>
             <a:chExt cx="1325876" cy="1116024"/>
@@ -3652,7 +3551,7 @@
             <p:nvPr/>
           </p:nvPicPr>
           <p:blipFill>
-            <a:blip r:embed="rId5"/>
+            <a:blip r:embed="rId4"/>
             <a:stretch>
               <a:fillRect/>
             </a:stretch>
@@ -3717,7 +3616,7 @@
         </p:nvCxnSpPr>
         <p:spPr>
           <a:xfrm>
-            <a:off x="2449366" y="2715038"/>
+            <a:off x="7037408" y="3078413"/>
             <a:ext cx="969898" cy="0"/>
           </a:xfrm>
           <a:prstGeom prst="straightConnector1">
@@ -3754,13 +3653,15 @@
               </a:ext>
             </a:extLst>
           </p:cNvPr>
-          <p:cNvCxnSpPr/>
+          <p:cNvCxnSpPr>
+            <a:cxnSpLocks/>
+          </p:cNvCxnSpPr>
           <p:nvPr/>
         </p:nvCxnSpPr>
         <p:spPr>
-          <a:xfrm>
-            <a:off x="4878038" y="2715038"/>
-            <a:ext cx="969898" cy="0"/>
+          <a:xfrm flipV="1">
+            <a:off x="8836657" y="2992464"/>
+            <a:ext cx="1380685" cy="17922"/>
           </a:xfrm>
           <a:prstGeom prst="straightConnector1">
             <a:avLst/>
@@ -3803,7 +3704,7 @@
         </p:nvCxnSpPr>
         <p:spPr>
           <a:xfrm>
-            <a:off x="4126793" y="3578596"/>
+            <a:off x="8440620" y="3697866"/>
             <a:ext cx="5970" cy="925310"/>
           </a:xfrm>
           <a:prstGeom prst="straightConnector1">
@@ -3845,7 +3746,7 @@
         </p:nvSpPr>
         <p:spPr>
           <a:xfrm>
-            <a:off x="2522211" y="2343115"/>
+            <a:off x="7093271" y="2695246"/>
             <a:ext cx="705514" cy="369332"/>
           </a:xfrm>
           <a:prstGeom prst="rect">
@@ -3880,8 +3781,8 @@
         </p:nvSpPr>
         <p:spPr>
           <a:xfrm>
-            <a:off x="4925730" y="2343115"/>
-            <a:ext cx="603050" cy="369332"/>
+            <a:off x="9061884" y="2606691"/>
+            <a:ext cx="782051" cy="369332"/>
           </a:xfrm>
           <a:prstGeom prst="rect">
             <a:avLst/>
@@ -3889,7 +3790,7 @@
           <a:noFill/>
         </p:spPr>
         <p:txBody>
-          <a:bodyPr wrap="none" rtlCol="0">
+          <a:bodyPr wrap="square" rtlCol="0">
             <a:spAutoFit/>
           </a:bodyPr>
           <a:lstStyle/>
@@ -3915,7 +3816,7 @@
         </p:nvSpPr>
         <p:spPr>
           <a:xfrm>
-            <a:off x="6613669" y="4152507"/>
+            <a:off x="10816822" y="4353060"/>
             <a:ext cx="603050" cy="369332"/>
           </a:xfrm>
           <a:prstGeom prst="rect">
@@ -3950,8 +3851,8 @@
         </p:nvSpPr>
         <p:spPr>
           <a:xfrm>
-            <a:off x="4264167" y="3589585"/>
-            <a:ext cx="2052100" cy="830997"/>
+            <a:off x="8724633" y="3522063"/>
+            <a:ext cx="1492709" cy="1200329"/>
           </a:xfrm>
           <a:prstGeom prst="rect">
             <a:avLst/>
@@ -3959,7 +3860,7 @@
           <a:noFill/>
         </p:spPr>
         <p:txBody>
-          <a:bodyPr wrap="none" rtlCol="0">
+          <a:bodyPr wrap="square" rtlCol="0">
             <a:spAutoFit/>
           </a:bodyPr>
           <a:lstStyle/>
@@ -3978,7 +3879,7 @@
           <a:p>
             <a:r>
               <a:rPr lang="en-US" sz="1200" dirty="0"/>
-              <a:t>    BRANCH_NAME: “master”</a:t>
+              <a:t>    BRANCH_NAME: “main”</a:t>
             </a:r>
           </a:p>
           <a:p>
@@ -4000,13 +3901,14 @@
           </p:cNvPr>
           <p:cNvCxnSpPr>
             <a:cxnSpLocks/>
+            <a:endCxn id="16" idx="2"/>
           </p:cNvCxnSpPr>
           <p:nvPr/>
         </p:nvCxnSpPr>
         <p:spPr>
           <a:xfrm flipV="1">
-            <a:off x="4857634" y="3477254"/>
-            <a:ext cx="1687939" cy="1581129"/>
+            <a:off x="9037018" y="3711161"/>
+            <a:ext cx="1768944" cy="1460039"/>
           </a:xfrm>
           <a:prstGeom prst="bentConnector2">
             <a:avLst/>
@@ -4033,6 +3935,1578 @@
           </a:fontRef>
         </p:style>
       </p:cxnSp>
+      <p:sp>
+        <p:nvSpPr>
+          <p:cNvPr id="3" name="Flowchart: Process 2">
+            <a:extLst>
+              <a:ext uri="{FF2B5EF4-FFF2-40B4-BE49-F238E27FC236}">
+                <a16:creationId xmlns:a16="http://schemas.microsoft.com/office/drawing/2014/main" id="{024CD19E-D63E-AEBF-CE3D-9807B8C42050}"/>
+              </a:ext>
+            </a:extLst>
+          </p:cNvPr>
+          <p:cNvSpPr/>
+          <p:nvPr/>
+        </p:nvSpPr>
+        <p:spPr>
+          <a:xfrm>
+            <a:off x="1026248" y="482214"/>
+            <a:ext cx="5953443" cy="4435083"/>
+          </a:xfrm>
+          <a:prstGeom prst="flowChartProcess">
+            <a:avLst/>
+          </a:prstGeom>
+        </p:spPr>
+        <p:style>
+          <a:lnRef idx="2">
+            <a:schemeClr val="accent6"/>
+          </a:lnRef>
+          <a:fillRef idx="1">
+            <a:schemeClr val="lt1"/>
+          </a:fillRef>
+          <a:effectRef idx="0">
+            <a:schemeClr val="accent6"/>
+          </a:effectRef>
+          <a:fontRef idx="minor">
+            <a:schemeClr val="dk1"/>
+          </a:fontRef>
+        </p:style>
+        <p:txBody>
+          <a:bodyPr rtlCol="0" anchor="ctr"/>
+          <a:lstStyle/>
+          <a:p>
+            <a:pPr algn="ctr"/>
+            <a:endParaRPr lang="en-US" dirty="0"/>
+          </a:p>
+        </p:txBody>
+      </p:sp>
+      <p:sp>
+        <p:nvSpPr>
+          <p:cNvPr id="4" name="Flowchart: Process 3">
+            <a:extLst>
+              <a:ext uri="{FF2B5EF4-FFF2-40B4-BE49-F238E27FC236}">
+                <a16:creationId xmlns:a16="http://schemas.microsoft.com/office/drawing/2014/main" id="{4EE24289-A47E-7D67-EE21-6B74189F1A6B}"/>
+              </a:ext>
+            </a:extLst>
+          </p:cNvPr>
+          <p:cNvSpPr/>
+          <p:nvPr/>
+        </p:nvSpPr>
+        <p:spPr>
+          <a:xfrm>
+            <a:off x="2033103" y="2897092"/>
+            <a:ext cx="865600" cy="367531"/>
+          </a:xfrm>
+          <a:prstGeom prst="flowChartProcess">
+            <a:avLst/>
+          </a:prstGeom>
+        </p:spPr>
+        <p:style>
+          <a:lnRef idx="2">
+            <a:schemeClr val="accent6"/>
+          </a:lnRef>
+          <a:fillRef idx="1">
+            <a:schemeClr val="lt1"/>
+          </a:fillRef>
+          <a:effectRef idx="0">
+            <a:schemeClr val="accent6"/>
+          </a:effectRef>
+          <a:fontRef idx="minor">
+            <a:schemeClr val="dk1"/>
+          </a:fontRef>
+        </p:style>
+        <p:txBody>
+          <a:bodyPr rtlCol="0" anchor="ctr"/>
+          <a:lstStyle/>
+          <a:p>
+            <a:pPr algn="ctr"/>
+            <a:r>
+              <a:rPr lang="en-US" dirty="0"/>
+              <a:t>Repo</a:t>
+            </a:r>
+          </a:p>
+        </p:txBody>
+      </p:sp>
+      <p:sp>
+        <p:nvSpPr>
+          <p:cNvPr id="21" name="Flowchart: Process 20">
+            <a:extLst>
+              <a:ext uri="{FF2B5EF4-FFF2-40B4-BE49-F238E27FC236}">
+                <a16:creationId xmlns:a16="http://schemas.microsoft.com/office/drawing/2014/main" id="{ADECC03A-E212-2865-C223-FE87B623061D}"/>
+              </a:ext>
+            </a:extLst>
+          </p:cNvPr>
+          <p:cNvSpPr/>
+          <p:nvPr/>
+        </p:nvSpPr>
+        <p:spPr>
+          <a:xfrm>
+            <a:off x="1026249" y="5082426"/>
+            <a:ext cx="3141870" cy="1699634"/>
+          </a:xfrm>
+          <a:prstGeom prst="flowChartProcess">
+            <a:avLst/>
+          </a:prstGeom>
+        </p:spPr>
+        <p:style>
+          <a:lnRef idx="2">
+            <a:schemeClr val="accent6"/>
+          </a:lnRef>
+          <a:fillRef idx="1">
+            <a:schemeClr val="lt1"/>
+          </a:fillRef>
+          <a:effectRef idx="0">
+            <a:schemeClr val="accent6"/>
+          </a:effectRef>
+          <a:fontRef idx="minor">
+            <a:schemeClr val="dk1"/>
+          </a:fontRef>
+        </p:style>
+        <p:txBody>
+          <a:bodyPr rtlCol="0" anchor="ctr"/>
+          <a:lstStyle/>
+          <a:p>
+            <a:pPr algn="ctr"/>
+            <a:endParaRPr lang="en-US" dirty="0"/>
+          </a:p>
+        </p:txBody>
+      </p:sp>
+      <p:pic>
+        <p:nvPicPr>
+          <p:cNvPr id="25" name="Graphic 23">
+            <a:extLst>
+              <a:ext uri="{FF2B5EF4-FFF2-40B4-BE49-F238E27FC236}">
+                <a16:creationId xmlns:a16="http://schemas.microsoft.com/office/drawing/2014/main" id="{7F98EF44-08D8-6857-38DD-CD36CF258369}"/>
+              </a:ext>
+            </a:extLst>
+          </p:cNvPr>
+          <p:cNvPicPr>
+            <a:picLocks noChangeAspect="1" noChangeArrowheads="1"/>
+          </p:cNvPicPr>
+          <p:nvPr/>
+        </p:nvPicPr>
+        <p:blipFill>
+          <a:blip r:embed="rId5">
+            <a:extLst>
+              <a:ext uri="{96DAC541-7B7A-43D3-8B79-37D633B846F1}">
+                <asvg:svgBlip xmlns:asvg="http://schemas.microsoft.com/office/drawing/2016/SVG/main" r:embed="rId6"/>
+              </a:ext>
+            </a:extLst>
+          </a:blip>
+          <a:srcRect/>
+          <a:stretch/>
+        </p:blipFill>
+        <p:spPr bwMode="auto">
+          <a:xfrm flipH="1">
+            <a:off x="1405291" y="5182806"/>
+            <a:ext cx="479303" cy="479303"/>
+          </a:xfrm>
+          <a:prstGeom prst="rect">
+            <a:avLst/>
+          </a:prstGeom>
+          <a:noFill/>
+          <a:ln>
+            <a:noFill/>
+          </a:ln>
+          <a:extLst>
+            <a:ext uri="{909E8E84-426E-40DD-AFC4-6F175D3DCCD1}">
+              <a14:hiddenFill xmlns:a14="http://schemas.microsoft.com/office/drawing/2010/main">
+                <a:solidFill>
+                  <a:srgbClr val="FFFFFF"/>
+                </a:solidFill>
+              </a14:hiddenFill>
+            </a:ext>
+            <a:ext uri="{91240B29-F687-4F45-9708-019B960494DF}">
+              <a14:hiddenLine xmlns:a14="http://schemas.microsoft.com/office/drawing/2010/main" w="9525">
+                <a:solidFill>
+                  <a:srgbClr val="000000"/>
+                </a:solidFill>
+                <a:miter lim="800000"/>
+                <a:headEnd/>
+                <a:tailEnd/>
+              </a14:hiddenLine>
+            </a:ext>
+          </a:extLst>
+        </p:spPr>
+      </p:pic>
+      <p:pic>
+        <p:nvPicPr>
+          <p:cNvPr id="26" name="Graphic 19">
+            <a:extLst>
+              <a:ext uri="{FF2B5EF4-FFF2-40B4-BE49-F238E27FC236}">
+                <a16:creationId xmlns:a16="http://schemas.microsoft.com/office/drawing/2014/main" id="{B0FBFB86-4A64-593D-901E-5B96391926D5}"/>
+              </a:ext>
+            </a:extLst>
+          </p:cNvPr>
+          <p:cNvPicPr>
+            <a:picLocks noChangeAspect="1" noChangeArrowheads="1"/>
+          </p:cNvPicPr>
+          <p:nvPr/>
+        </p:nvPicPr>
+        <p:blipFill>
+          <a:blip r:embed="rId7">
+            <a:extLst>
+              <a:ext uri="{28A0092B-C50C-407E-A947-70E740481C1C}">
+                <a14:useLocalDpi xmlns:a14="http://schemas.microsoft.com/office/drawing/2010/main" val="0"/>
+              </a:ext>
+            </a:extLst>
+          </a:blip>
+          <a:srcRect/>
+          <a:stretch>
+            <a:fillRect/>
+          </a:stretch>
+        </p:blipFill>
+        <p:spPr bwMode="auto">
+          <a:xfrm>
+            <a:off x="3789525" y="5070820"/>
+            <a:ext cx="392407" cy="392407"/>
+          </a:xfrm>
+          <a:prstGeom prst="rect">
+            <a:avLst/>
+          </a:prstGeom>
+          <a:noFill/>
+          <a:ln>
+            <a:noFill/>
+          </a:ln>
+          <a:extLst>
+            <a:ext uri="{909E8E84-426E-40DD-AFC4-6F175D3DCCD1}">
+              <a14:hiddenFill xmlns:a14="http://schemas.microsoft.com/office/drawing/2010/main">
+                <a:solidFill>
+                  <a:srgbClr val="FFFFFF"/>
+                </a:solidFill>
+              </a14:hiddenFill>
+            </a:ext>
+            <a:ext uri="{91240B29-F687-4F45-9708-019B960494DF}">
+              <a14:hiddenLine xmlns:a14="http://schemas.microsoft.com/office/drawing/2010/main" w="9525">
+                <a:solidFill>
+                  <a:srgbClr val="000000"/>
+                </a:solidFill>
+                <a:miter lim="800000"/>
+                <a:headEnd/>
+                <a:tailEnd/>
+              </a14:hiddenLine>
+            </a:ext>
+          </a:extLst>
+        </p:spPr>
+      </p:pic>
+      <p:pic>
+        <p:nvPicPr>
+          <p:cNvPr id="27" name="Graphic 21">
+            <a:extLst>
+              <a:ext uri="{FF2B5EF4-FFF2-40B4-BE49-F238E27FC236}">
+                <a16:creationId xmlns:a16="http://schemas.microsoft.com/office/drawing/2014/main" id="{38FB2B47-D749-3BAF-F1FA-0D86B9AC6D5D}"/>
+              </a:ext>
+            </a:extLst>
+          </p:cNvPr>
+          <p:cNvPicPr>
+            <a:picLocks noChangeAspect="1" noChangeArrowheads="1"/>
+          </p:cNvPicPr>
+          <p:nvPr/>
+        </p:nvPicPr>
+        <p:blipFill>
+          <a:blip r:embed="rId8">
+            <a:extLst>
+              <a:ext uri="{28A0092B-C50C-407E-A947-70E740481C1C}">
+                <a14:useLocalDpi xmlns:a14="http://schemas.microsoft.com/office/drawing/2010/main" val="0"/>
+              </a:ext>
+            </a:extLst>
+          </a:blip>
+          <a:srcRect/>
+          <a:stretch>
+            <a:fillRect/>
+          </a:stretch>
+        </p:blipFill>
+        <p:spPr bwMode="auto">
+          <a:xfrm>
+            <a:off x="6540908" y="482215"/>
+            <a:ext cx="446156" cy="446156"/>
+          </a:xfrm>
+          <a:prstGeom prst="rect">
+            <a:avLst/>
+          </a:prstGeom>
+          <a:noFill/>
+          <a:ln>
+            <a:noFill/>
+          </a:ln>
+          <a:extLst>
+            <a:ext uri="{909E8E84-426E-40DD-AFC4-6F175D3DCCD1}">
+              <a14:hiddenFill xmlns:a14="http://schemas.microsoft.com/office/drawing/2010/main">
+                <a:solidFill>
+                  <a:srgbClr val="FFFFFF"/>
+                </a:solidFill>
+              </a14:hiddenFill>
+            </a:ext>
+            <a:ext uri="{91240B29-F687-4F45-9708-019B960494DF}">
+              <a14:hiddenLine xmlns:a14="http://schemas.microsoft.com/office/drawing/2010/main" w="9525">
+                <a:solidFill>
+                  <a:srgbClr val="000000"/>
+                </a:solidFill>
+                <a:miter lim="800000"/>
+                <a:headEnd/>
+                <a:tailEnd/>
+              </a14:hiddenLine>
+            </a:ext>
+          </a:extLst>
+        </p:spPr>
+      </p:pic>
+      <p:sp>
+        <p:nvSpPr>
+          <p:cNvPr id="31" name="TextBox 12">
+            <a:extLst>
+              <a:ext uri="{FF2B5EF4-FFF2-40B4-BE49-F238E27FC236}">
+                <a16:creationId xmlns:a16="http://schemas.microsoft.com/office/drawing/2014/main" id="{65B49D4C-90E0-2702-85FA-8DF12B5B90EB}"/>
+              </a:ext>
+            </a:extLst>
+          </p:cNvPr>
+          <p:cNvSpPr txBox="1">
+            <a:spLocks noChangeArrowheads="1"/>
+          </p:cNvSpPr>
+          <p:nvPr/>
+        </p:nvSpPr>
+        <p:spPr bwMode="auto">
+          <a:xfrm>
+            <a:off x="5290675" y="477705"/>
+            <a:ext cx="1376413" cy="276999"/>
+          </a:xfrm>
+          <a:prstGeom prst="rect">
+            <a:avLst/>
+          </a:prstGeom>
+          <a:noFill/>
+          <a:ln>
+            <a:noFill/>
+          </a:ln>
+          <a:extLst>
+            <a:ext uri="{909E8E84-426E-40DD-AFC4-6F175D3DCCD1}">
+              <a14:hiddenFill xmlns:a14="http://schemas.microsoft.com/office/drawing/2010/main">
+                <a:solidFill>
+                  <a:srgbClr val="FFFFFF"/>
+                </a:solidFill>
+              </a14:hiddenFill>
+            </a:ext>
+            <a:ext uri="{91240B29-F687-4F45-9708-019B960494DF}">
+              <a14:hiddenLine xmlns:a14="http://schemas.microsoft.com/office/drawing/2010/main" w="9525">
+                <a:solidFill>
+                  <a:srgbClr val="000000"/>
+                </a:solidFill>
+                <a:miter lim="800000"/>
+                <a:headEnd/>
+                <a:tailEnd/>
+              </a14:hiddenLine>
+            </a:ext>
+          </a:extLst>
+        </p:spPr>
+        <p:txBody>
+          <a:bodyPr wrap="square">
+            <a:spAutoFit/>
+          </a:bodyPr>
+          <a:lstStyle>
+            <a:lvl1pPr>
+              <a:defRPr>
+                <a:solidFill>
+                  <a:schemeClr val="tx1"/>
+                </a:solidFill>
+                <a:latin typeface="Calibri" panose="020F0502020204030204" pitchFamily="34" charset="0"/>
+              </a:defRPr>
+            </a:lvl1pPr>
+            <a:lvl2pPr marL="742950" indent="-285750">
+              <a:defRPr>
+                <a:solidFill>
+                  <a:schemeClr val="tx1"/>
+                </a:solidFill>
+                <a:latin typeface="Calibri" panose="020F0502020204030204" pitchFamily="34" charset="0"/>
+              </a:defRPr>
+            </a:lvl2pPr>
+            <a:lvl3pPr marL="1143000" indent="-228600">
+              <a:defRPr>
+                <a:solidFill>
+                  <a:schemeClr val="tx1"/>
+                </a:solidFill>
+                <a:latin typeface="Calibri" panose="020F0502020204030204" pitchFamily="34" charset="0"/>
+              </a:defRPr>
+            </a:lvl3pPr>
+            <a:lvl4pPr marL="1600200" indent="-228600">
+              <a:defRPr>
+                <a:solidFill>
+                  <a:schemeClr val="tx1"/>
+                </a:solidFill>
+                <a:latin typeface="Calibri" panose="020F0502020204030204" pitchFamily="34" charset="0"/>
+              </a:defRPr>
+            </a:lvl4pPr>
+            <a:lvl5pPr marL="2057400" indent="-228600">
+              <a:defRPr>
+                <a:solidFill>
+                  <a:schemeClr val="tx1"/>
+                </a:solidFill>
+                <a:latin typeface="Calibri" panose="020F0502020204030204" pitchFamily="34" charset="0"/>
+              </a:defRPr>
+            </a:lvl5pPr>
+            <a:lvl6pPr marL="2514600" indent="-228600" eaLnBrk="0" fontAlgn="base" hangingPunct="0">
+              <a:spcBef>
+                <a:spcPct val="0"/>
+              </a:spcBef>
+              <a:spcAft>
+                <a:spcPct val="0"/>
+              </a:spcAft>
+              <a:defRPr>
+                <a:solidFill>
+                  <a:schemeClr val="tx1"/>
+                </a:solidFill>
+                <a:latin typeface="Calibri" panose="020F0502020204030204" pitchFamily="34" charset="0"/>
+              </a:defRPr>
+            </a:lvl6pPr>
+            <a:lvl7pPr marL="2971800" indent="-228600" eaLnBrk="0" fontAlgn="base" hangingPunct="0">
+              <a:spcBef>
+                <a:spcPct val="0"/>
+              </a:spcBef>
+              <a:spcAft>
+                <a:spcPct val="0"/>
+              </a:spcAft>
+              <a:defRPr>
+                <a:solidFill>
+                  <a:schemeClr val="tx1"/>
+                </a:solidFill>
+                <a:latin typeface="Calibri" panose="020F0502020204030204" pitchFamily="34" charset="0"/>
+              </a:defRPr>
+            </a:lvl7pPr>
+            <a:lvl8pPr marL="3429000" indent="-228600" eaLnBrk="0" fontAlgn="base" hangingPunct="0">
+              <a:spcBef>
+                <a:spcPct val="0"/>
+              </a:spcBef>
+              <a:spcAft>
+                <a:spcPct val="0"/>
+              </a:spcAft>
+              <a:defRPr>
+                <a:solidFill>
+                  <a:schemeClr val="tx1"/>
+                </a:solidFill>
+                <a:latin typeface="Calibri" panose="020F0502020204030204" pitchFamily="34" charset="0"/>
+              </a:defRPr>
+            </a:lvl8pPr>
+            <a:lvl9pPr marL="3886200" indent="-228600" eaLnBrk="0" fontAlgn="base" hangingPunct="0">
+              <a:spcBef>
+                <a:spcPct val="0"/>
+              </a:spcBef>
+              <a:spcAft>
+                <a:spcPct val="0"/>
+              </a:spcAft>
+              <a:defRPr>
+                <a:solidFill>
+                  <a:schemeClr val="tx1"/>
+                </a:solidFill>
+                <a:latin typeface="Calibri" panose="020F0502020204030204" pitchFamily="34" charset="0"/>
+              </a:defRPr>
+            </a:lvl9pPr>
+          </a:lstStyle>
+          <a:p>
+            <a:pPr algn="ctr" eaLnBrk="1" hangingPunct="1"/>
+            <a:r>
+              <a:rPr lang="en-US" altLang="en-US" sz="1200" dirty="0">
+                <a:latin typeface="Arial" panose="020B0604020202020204" pitchFamily="34" charset="0"/>
+                <a:ea typeface="Amazon Ember" panose="020B0603020204020204" pitchFamily="34" charset="0"/>
+                <a:cs typeface="Arial" panose="020B0604020202020204" pitchFamily="34" charset="0"/>
+              </a:rPr>
+              <a:t> CodeCommit</a:t>
+            </a:r>
+          </a:p>
+        </p:txBody>
+      </p:sp>
+      <p:sp>
+        <p:nvSpPr>
+          <p:cNvPr id="37" name="Flowchart: Process 36">
+            <a:extLst>
+              <a:ext uri="{FF2B5EF4-FFF2-40B4-BE49-F238E27FC236}">
+                <a16:creationId xmlns:a16="http://schemas.microsoft.com/office/drawing/2014/main" id="{93639168-2BC4-45E6-CCAD-757EC53993AA}"/>
+              </a:ext>
+            </a:extLst>
+          </p:cNvPr>
+          <p:cNvSpPr/>
+          <p:nvPr/>
+        </p:nvSpPr>
+        <p:spPr>
+          <a:xfrm>
+            <a:off x="4889509" y="3785513"/>
+            <a:ext cx="1376413" cy="814853"/>
+          </a:xfrm>
+          <a:prstGeom prst="flowChartProcess">
+            <a:avLst/>
+          </a:prstGeom>
+        </p:spPr>
+        <p:style>
+          <a:lnRef idx="2">
+            <a:schemeClr val="accent6"/>
+          </a:lnRef>
+          <a:fillRef idx="1">
+            <a:schemeClr val="lt1"/>
+          </a:fillRef>
+          <a:effectRef idx="0">
+            <a:schemeClr val="accent6"/>
+          </a:effectRef>
+          <a:fontRef idx="minor">
+            <a:schemeClr val="dk1"/>
+          </a:fontRef>
+        </p:style>
+        <p:txBody>
+          <a:bodyPr rtlCol="0" anchor="ctr"/>
+          <a:lstStyle/>
+          <a:p>
+            <a:pPr algn="ctr"/>
+            <a:r>
+              <a:rPr lang="en-US" dirty="0"/>
+              <a:t>Feature or other branches</a:t>
+            </a:r>
+          </a:p>
+        </p:txBody>
+      </p:sp>
+      <p:sp>
+        <p:nvSpPr>
+          <p:cNvPr id="38" name="Flowchart: Process 37">
+            <a:extLst>
+              <a:ext uri="{FF2B5EF4-FFF2-40B4-BE49-F238E27FC236}">
+                <a16:creationId xmlns:a16="http://schemas.microsoft.com/office/drawing/2014/main" id="{EE13CC85-C2BD-35B8-E3B6-4E71E1CDEE43}"/>
+              </a:ext>
+            </a:extLst>
+          </p:cNvPr>
+          <p:cNvSpPr/>
+          <p:nvPr/>
+        </p:nvSpPr>
+        <p:spPr>
+          <a:xfrm>
+            <a:off x="1930789" y="647343"/>
+            <a:ext cx="1053626" cy="1151068"/>
+          </a:xfrm>
+          <a:prstGeom prst="flowChartProcess">
+            <a:avLst/>
+          </a:prstGeom>
+        </p:spPr>
+        <p:style>
+          <a:lnRef idx="2">
+            <a:schemeClr val="accent6"/>
+          </a:lnRef>
+          <a:fillRef idx="1">
+            <a:schemeClr val="lt1"/>
+          </a:fillRef>
+          <a:effectRef idx="0">
+            <a:schemeClr val="accent6"/>
+          </a:effectRef>
+          <a:fontRef idx="minor">
+            <a:schemeClr val="dk1"/>
+          </a:fontRef>
+        </p:style>
+        <p:txBody>
+          <a:bodyPr rtlCol="0" anchor="ctr"/>
+          <a:lstStyle/>
+          <a:p>
+            <a:pPr algn="ctr"/>
+            <a:r>
+              <a:rPr lang="en-US" dirty="0"/>
+              <a:t>Approval Rule Template</a:t>
+            </a:r>
+          </a:p>
+        </p:txBody>
+      </p:sp>
+      <p:cxnSp>
+        <p:nvCxnSpPr>
+          <p:cNvPr id="41" name="Connector: Curved 40">
+            <a:extLst>
+              <a:ext uri="{FF2B5EF4-FFF2-40B4-BE49-F238E27FC236}">
+                <a16:creationId xmlns:a16="http://schemas.microsoft.com/office/drawing/2014/main" id="{0113C4FA-523E-2ACF-CB78-23ACF1888BA7}"/>
+              </a:ext>
+            </a:extLst>
+          </p:cNvPr>
+          <p:cNvCxnSpPr>
+            <a:cxnSpLocks/>
+          </p:cNvCxnSpPr>
+          <p:nvPr/>
+        </p:nvCxnSpPr>
+        <p:spPr>
+          <a:xfrm flipV="1">
+            <a:off x="2965612" y="2163352"/>
+            <a:ext cx="1697566" cy="943103"/>
+          </a:xfrm>
+          <a:prstGeom prst="curvedConnector3">
+            <a:avLst/>
+          </a:prstGeom>
+          <a:ln>
+            <a:tailEnd type="triangle"/>
+          </a:ln>
+        </p:spPr>
+        <p:style>
+          <a:lnRef idx="1">
+            <a:schemeClr val="accent1"/>
+          </a:lnRef>
+          <a:fillRef idx="0">
+            <a:schemeClr val="accent1"/>
+          </a:fillRef>
+          <a:effectRef idx="0">
+            <a:schemeClr val="accent1"/>
+          </a:effectRef>
+          <a:fontRef idx="minor">
+            <a:schemeClr val="tx1"/>
+          </a:fontRef>
+        </p:style>
+      </p:cxnSp>
+      <p:cxnSp>
+        <p:nvCxnSpPr>
+          <p:cNvPr id="44" name="Straight Arrow Connector 43">
+            <a:extLst>
+              <a:ext uri="{FF2B5EF4-FFF2-40B4-BE49-F238E27FC236}">
+                <a16:creationId xmlns:a16="http://schemas.microsoft.com/office/drawing/2014/main" id="{43169281-886A-DC3F-C5CD-F662D8113614}"/>
+              </a:ext>
+            </a:extLst>
+          </p:cNvPr>
+          <p:cNvCxnSpPr>
+            <a:cxnSpLocks/>
+          </p:cNvCxnSpPr>
+          <p:nvPr/>
+        </p:nvCxnSpPr>
+        <p:spPr>
+          <a:xfrm flipV="1">
+            <a:off x="2921875" y="3106455"/>
+            <a:ext cx="1758962" cy="6691"/>
+          </a:xfrm>
+          <a:prstGeom prst="straightConnector1">
+            <a:avLst/>
+          </a:prstGeom>
+          <a:ln>
+            <a:tailEnd type="triangle"/>
+          </a:ln>
+        </p:spPr>
+        <p:style>
+          <a:lnRef idx="1">
+            <a:schemeClr val="accent1"/>
+          </a:lnRef>
+          <a:fillRef idx="0">
+            <a:schemeClr val="accent1"/>
+          </a:fillRef>
+          <a:effectRef idx="0">
+            <a:schemeClr val="accent1"/>
+          </a:effectRef>
+          <a:fontRef idx="minor">
+            <a:schemeClr val="tx1"/>
+          </a:fontRef>
+        </p:style>
+      </p:cxnSp>
+      <p:cxnSp>
+        <p:nvCxnSpPr>
+          <p:cNvPr id="45" name="Connector: Curved 44">
+            <a:extLst>
+              <a:ext uri="{FF2B5EF4-FFF2-40B4-BE49-F238E27FC236}">
+                <a16:creationId xmlns:a16="http://schemas.microsoft.com/office/drawing/2014/main" id="{DB325D15-2289-5AFD-F387-E214C9D4B0ED}"/>
+              </a:ext>
+            </a:extLst>
+          </p:cNvPr>
+          <p:cNvCxnSpPr>
+            <a:cxnSpLocks/>
+          </p:cNvCxnSpPr>
+          <p:nvPr/>
+        </p:nvCxnSpPr>
+        <p:spPr>
+          <a:xfrm>
+            <a:off x="2932426" y="3107034"/>
+            <a:ext cx="1873685" cy="1038290"/>
+          </a:xfrm>
+          <a:prstGeom prst="curvedConnector3">
+            <a:avLst/>
+          </a:prstGeom>
+          <a:ln>
+            <a:tailEnd type="triangle"/>
+          </a:ln>
+        </p:spPr>
+        <p:style>
+          <a:lnRef idx="1">
+            <a:schemeClr val="accent1"/>
+          </a:lnRef>
+          <a:fillRef idx="0">
+            <a:schemeClr val="accent1"/>
+          </a:fillRef>
+          <a:effectRef idx="0">
+            <a:schemeClr val="accent1"/>
+          </a:effectRef>
+          <a:fontRef idx="minor">
+            <a:schemeClr val="tx1"/>
+          </a:fontRef>
+        </p:style>
+      </p:cxnSp>
+      <p:sp>
+        <p:nvSpPr>
+          <p:cNvPr id="51" name="TextBox 39">
+            <a:extLst>
+              <a:ext uri="{FF2B5EF4-FFF2-40B4-BE49-F238E27FC236}">
+                <a16:creationId xmlns:a16="http://schemas.microsoft.com/office/drawing/2014/main" id="{B8A5570E-8C2F-7307-1B18-CB65121AAFB3}"/>
+              </a:ext>
+            </a:extLst>
+          </p:cNvPr>
+          <p:cNvSpPr txBox="1">
+            <a:spLocks noChangeArrowheads="1"/>
+          </p:cNvSpPr>
+          <p:nvPr/>
+        </p:nvSpPr>
+        <p:spPr bwMode="auto">
+          <a:xfrm>
+            <a:off x="3693999" y="5451650"/>
+            <a:ext cx="583458" cy="261610"/>
+          </a:xfrm>
+          <a:prstGeom prst="rect">
+            <a:avLst/>
+          </a:prstGeom>
+          <a:noFill/>
+          <a:ln>
+            <a:noFill/>
+          </a:ln>
+          <a:extLst>
+            <a:ext uri="{909E8E84-426E-40DD-AFC4-6F175D3DCCD1}">
+              <a14:hiddenFill xmlns:a14="http://schemas.microsoft.com/office/drawing/2010/main">
+                <a:solidFill>
+                  <a:srgbClr val="FFFFFF"/>
+                </a:solidFill>
+              </a14:hiddenFill>
+            </a:ext>
+            <a:ext uri="{91240B29-F687-4F45-9708-019B960494DF}">
+              <a14:hiddenLine xmlns:a14="http://schemas.microsoft.com/office/drawing/2010/main" w="9525">
+                <a:solidFill>
+                  <a:srgbClr val="000000"/>
+                </a:solidFill>
+                <a:miter lim="800000"/>
+                <a:headEnd/>
+                <a:tailEnd/>
+              </a14:hiddenLine>
+            </a:ext>
+          </a:extLst>
+        </p:spPr>
+        <p:txBody>
+          <a:bodyPr wrap="square">
+            <a:spAutoFit/>
+          </a:bodyPr>
+          <a:lstStyle>
+            <a:lvl1pPr>
+              <a:defRPr>
+                <a:solidFill>
+                  <a:schemeClr val="tx1"/>
+                </a:solidFill>
+                <a:latin typeface="Calibri" panose="020F0502020204030204" pitchFamily="34" charset="0"/>
+              </a:defRPr>
+            </a:lvl1pPr>
+            <a:lvl2pPr marL="742950" indent="-285750">
+              <a:defRPr>
+                <a:solidFill>
+                  <a:schemeClr val="tx1"/>
+                </a:solidFill>
+                <a:latin typeface="Calibri" panose="020F0502020204030204" pitchFamily="34" charset="0"/>
+              </a:defRPr>
+            </a:lvl2pPr>
+            <a:lvl3pPr marL="1143000" indent="-228600">
+              <a:defRPr>
+                <a:solidFill>
+                  <a:schemeClr val="tx1"/>
+                </a:solidFill>
+                <a:latin typeface="Calibri" panose="020F0502020204030204" pitchFamily="34" charset="0"/>
+              </a:defRPr>
+            </a:lvl3pPr>
+            <a:lvl4pPr marL="1600200" indent="-228600">
+              <a:defRPr>
+                <a:solidFill>
+                  <a:schemeClr val="tx1"/>
+                </a:solidFill>
+                <a:latin typeface="Calibri" panose="020F0502020204030204" pitchFamily="34" charset="0"/>
+              </a:defRPr>
+            </a:lvl4pPr>
+            <a:lvl5pPr marL="2057400" indent="-228600">
+              <a:defRPr>
+                <a:solidFill>
+                  <a:schemeClr val="tx1"/>
+                </a:solidFill>
+                <a:latin typeface="Calibri" panose="020F0502020204030204" pitchFamily="34" charset="0"/>
+              </a:defRPr>
+            </a:lvl5pPr>
+            <a:lvl6pPr marL="2514600" indent="-228600" eaLnBrk="0" fontAlgn="base" hangingPunct="0">
+              <a:spcBef>
+                <a:spcPct val="0"/>
+              </a:spcBef>
+              <a:spcAft>
+                <a:spcPct val="0"/>
+              </a:spcAft>
+              <a:defRPr>
+                <a:solidFill>
+                  <a:schemeClr val="tx1"/>
+                </a:solidFill>
+                <a:latin typeface="Calibri" panose="020F0502020204030204" pitchFamily="34" charset="0"/>
+              </a:defRPr>
+            </a:lvl6pPr>
+            <a:lvl7pPr marL="2971800" indent="-228600" eaLnBrk="0" fontAlgn="base" hangingPunct="0">
+              <a:spcBef>
+                <a:spcPct val="0"/>
+              </a:spcBef>
+              <a:spcAft>
+                <a:spcPct val="0"/>
+              </a:spcAft>
+              <a:defRPr>
+                <a:solidFill>
+                  <a:schemeClr val="tx1"/>
+                </a:solidFill>
+                <a:latin typeface="Calibri" panose="020F0502020204030204" pitchFamily="34" charset="0"/>
+              </a:defRPr>
+            </a:lvl7pPr>
+            <a:lvl8pPr marL="3429000" indent="-228600" eaLnBrk="0" fontAlgn="base" hangingPunct="0">
+              <a:spcBef>
+                <a:spcPct val="0"/>
+              </a:spcBef>
+              <a:spcAft>
+                <a:spcPct val="0"/>
+              </a:spcAft>
+              <a:defRPr>
+                <a:solidFill>
+                  <a:schemeClr val="tx1"/>
+                </a:solidFill>
+                <a:latin typeface="Calibri" panose="020F0502020204030204" pitchFamily="34" charset="0"/>
+              </a:defRPr>
+            </a:lvl8pPr>
+            <a:lvl9pPr marL="3886200" indent="-228600" eaLnBrk="0" fontAlgn="base" hangingPunct="0">
+              <a:spcBef>
+                <a:spcPct val="0"/>
+              </a:spcBef>
+              <a:spcAft>
+                <a:spcPct val="0"/>
+              </a:spcAft>
+              <a:defRPr>
+                <a:solidFill>
+                  <a:schemeClr val="tx1"/>
+                </a:solidFill>
+                <a:latin typeface="Calibri" panose="020F0502020204030204" pitchFamily="34" charset="0"/>
+              </a:defRPr>
+            </a:lvl9pPr>
+          </a:lstStyle>
+          <a:p>
+            <a:pPr algn="ctr" eaLnBrk="1" hangingPunct="1"/>
+            <a:r>
+              <a:rPr lang="en-US" altLang="en-US" sz="1100" dirty="0">
+                <a:solidFill>
+                  <a:srgbClr val="000000"/>
+                </a:solidFill>
+                <a:latin typeface="Arial" panose="020B0604020202020204" pitchFamily="34" charset="0"/>
+                <a:cs typeface="Arial" panose="020B0604020202020204" pitchFamily="34" charset="0"/>
+              </a:rPr>
+              <a:t>IAM</a:t>
+            </a:r>
+          </a:p>
+        </p:txBody>
+      </p:sp>
+      <p:sp>
+        <p:nvSpPr>
+          <p:cNvPr id="57" name="Rectangle 56">
+            <a:extLst>
+              <a:ext uri="{FF2B5EF4-FFF2-40B4-BE49-F238E27FC236}">
+                <a16:creationId xmlns:a16="http://schemas.microsoft.com/office/drawing/2014/main" id="{FCBB0B53-79AC-1FC8-10BB-206DFD01AD36}"/>
+              </a:ext>
+            </a:extLst>
+          </p:cNvPr>
+          <p:cNvSpPr/>
+          <p:nvPr/>
+        </p:nvSpPr>
+        <p:spPr>
+          <a:xfrm>
+            <a:off x="4742309" y="1798411"/>
+            <a:ext cx="1622485" cy="1723652"/>
+          </a:xfrm>
+          <a:prstGeom prst="rect">
+            <a:avLst/>
+          </a:prstGeom>
+          <a:ln>
+            <a:prstDash val="sysDot"/>
+          </a:ln>
+        </p:spPr>
+        <p:style>
+          <a:lnRef idx="2">
+            <a:schemeClr val="accent6"/>
+          </a:lnRef>
+          <a:fillRef idx="1">
+            <a:schemeClr val="lt1"/>
+          </a:fillRef>
+          <a:effectRef idx="0">
+            <a:schemeClr val="accent6"/>
+          </a:effectRef>
+          <a:fontRef idx="minor">
+            <a:schemeClr val="dk1"/>
+          </a:fontRef>
+        </p:style>
+        <p:txBody>
+          <a:bodyPr rtlCol="0" anchor="ctr"/>
+          <a:lstStyle/>
+          <a:p>
+            <a:pPr algn="ctr"/>
+            <a:endParaRPr lang="en-US" dirty="0"/>
+          </a:p>
+        </p:txBody>
+      </p:sp>
+      <p:sp>
+        <p:nvSpPr>
+          <p:cNvPr id="58" name="Flowchart: Process 57">
+            <a:extLst>
+              <a:ext uri="{FF2B5EF4-FFF2-40B4-BE49-F238E27FC236}">
+                <a16:creationId xmlns:a16="http://schemas.microsoft.com/office/drawing/2014/main" id="{30F266C3-58E2-C177-6C99-2CCA3F99054E}"/>
+              </a:ext>
+            </a:extLst>
+          </p:cNvPr>
+          <p:cNvSpPr/>
+          <p:nvPr/>
+        </p:nvSpPr>
+        <p:spPr>
+          <a:xfrm>
+            <a:off x="4922485" y="1909696"/>
+            <a:ext cx="1262131" cy="389327"/>
+          </a:xfrm>
+          <a:prstGeom prst="flowChartProcess">
+            <a:avLst/>
+          </a:prstGeom>
+        </p:spPr>
+        <p:style>
+          <a:lnRef idx="2">
+            <a:schemeClr val="accent6"/>
+          </a:lnRef>
+          <a:fillRef idx="1">
+            <a:schemeClr val="lt1"/>
+          </a:fillRef>
+          <a:effectRef idx="0">
+            <a:schemeClr val="accent6"/>
+          </a:effectRef>
+          <a:fontRef idx="minor">
+            <a:schemeClr val="dk1"/>
+          </a:fontRef>
+        </p:style>
+        <p:txBody>
+          <a:bodyPr rtlCol="0" anchor="ctr"/>
+          <a:lstStyle/>
+          <a:p>
+            <a:pPr algn="ctr"/>
+            <a:r>
+              <a:rPr lang="en-US" dirty="0"/>
+              <a:t>Release/*</a:t>
+            </a:r>
+          </a:p>
+        </p:txBody>
+      </p:sp>
+      <p:sp>
+        <p:nvSpPr>
+          <p:cNvPr id="59" name="Flowchart: Process 58">
+            <a:extLst>
+              <a:ext uri="{FF2B5EF4-FFF2-40B4-BE49-F238E27FC236}">
+                <a16:creationId xmlns:a16="http://schemas.microsoft.com/office/drawing/2014/main" id="{015F82F0-2456-404E-CD5A-6E8541E27173}"/>
+              </a:ext>
+            </a:extLst>
+          </p:cNvPr>
+          <p:cNvSpPr/>
+          <p:nvPr/>
+        </p:nvSpPr>
+        <p:spPr>
+          <a:xfrm>
+            <a:off x="4925661" y="2902066"/>
+            <a:ext cx="1262131" cy="389327"/>
+          </a:xfrm>
+          <a:prstGeom prst="flowChartProcess">
+            <a:avLst/>
+          </a:prstGeom>
+        </p:spPr>
+        <p:style>
+          <a:lnRef idx="2">
+            <a:schemeClr val="accent6"/>
+          </a:lnRef>
+          <a:fillRef idx="1">
+            <a:schemeClr val="lt1"/>
+          </a:fillRef>
+          <a:effectRef idx="0">
+            <a:schemeClr val="accent6"/>
+          </a:effectRef>
+          <a:fontRef idx="minor">
+            <a:schemeClr val="dk1"/>
+          </a:fontRef>
+        </p:style>
+        <p:txBody>
+          <a:bodyPr rtlCol="0" anchor="ctr"/>
+          <a:lstStyle/>
+          <a:p>
+            <a:pPr algn="ctr"/>
+            <a:r>
+              <a:rPr lang="en-US" dirty="0"/>
+              <a:t>Main</a:t>
+            </a:r>
+          </a:p>
+        </p:txBody>
+      </p:sp>
+      <p:sp>
+        <p:nvSpPr>
+          <p:cNvPr id="63" name="TextBox 62">
+            <a:extLst>
+              <a:ext uri="{FF2B5EF4-FFF2-40B4-BE49-F238E27FC236}">
+                <a16:creationId xmlns:a16="http://schemas.microsoft.com/office/drawing/2014/main" id="{BE50807A-AFC1-59D2-FFEB-E1BEFAD54576}"/>
+              </a:ext>
+            </a:extLst>
+          </p:cNvPr>
+          <p:cNvSpPr txBox="1"/>
+          <p:nvPr/>
+        </p:nvSpPr>
+        <p:spPr>
+          <a:xfrm>
+            <a:off x="4889509" y="1517510"/>
+            <a:ext cx="1166425" cy="230832"/>
+          </a:xfrm>
+          <a:prstGeom prst="rect">
+            <a:avLst/>
+          </a:prstGeom>
+          <a:noFill/>
+        </p:spPr>
+        <p:txBody>
+          <a:bodyPr wrap="square" rtlCol="0">
+            <a:spAutoFit/>
+          </a:bodyPr>
+          <a:lstStyle/>
+          <a:p>
+            <a:r>
+              <a:rPr lang="en-US" sz="900" dirty="0"/>
+              <a:t>Protected Branches</a:t>
+            </a:r>
+          </a:p>
+        </p:txBody>
+      </p:sp>
+      <p:sp>
+        <p:nvSpPr>
+          <p:cNvPr id="1024" name="Arrow: Left-Up 1023">
+            <a:extLst>
+              <a:ext uri="{FF2B5EF4-FFF2-40B4-BE49-F238E27FC236}">
+                <a16:creationId xmlns:a16="http://schemas.microsoft.com/office/drawing/2014/main" id="{2915AAB4-C82F-DBBA-9A63-33390F0A87FE}"/>
+              </a:ext>
+            </a:extLst>
+          </p:cNvPr>
+          <p:cNvSpPr/>
+          <p:nvPr/>
+        </p:nvSpPr>
+        <p:spPr>
+          <a:xfrm flipV="1">
+            <a:off x="3013372" y="1039458"/>
+            <a:ext cx="2564343" cy="466554"/>
+          </a:xfrm>
+          <a:prstGeom prst="leftUpArrow">
+            <a:avLst/>
+          </a:prstGeom>
+        </p:spPr>
+        <p:style>
+          <a:lnRef idx="2">
+            <a:schemeClr val="accent1">
+              <a:shade val="50000"/>
+            </a:schemeClr>
+          </a:lnRef>
+          <a:fillRef idx="1">
+            <a:schemeClr val="accent1"/>
+          </a:fillRef>
+          <a:effectRef idx="0">
+            <a:schemeClr val="accent1"/>
+          </a:effectRef>
+          <a:fontRef idx="minor">
+            <a:schemeClr val="lt1"/>
+          </a:fontRef>
+        </p:style>
+        <p:txBody>
+          <a:bodyPr rtlCol="0" anchor="ctr"/>
+          <a:lstStyle/>
+          <a:p>
+            <a:pPr algn="ctr"/>
+            <a:endParaRPr lang="en-US"/>
+          </a:p>
+        </p:txBody>
+      </p:sp>
+      <p:sp>
+        <p:nvSpPr>
+          <p:cNvPr id="1040" name="TextBox 1039">
+            <a:extLst>
+              <a:ext uri="{FF2B5EF4-FFF2-40B4-BE49-F238E27FC236}">
+                <a16:creationId xmlns:a16="http://schemas.microsoft.com/office/drawing/2014/main" id="{48E2A6C6-4CD7-0C6D-C829-BFAF0CA2234A}"/>
+              </a:ext>
+            </a:extLst>
+          </p:cNvPr>
+          <p:cNvSpPr txBox="1"/>
+          <p:nvPr/>
+        </p:nvSpPr>
+        <p:spPr>
+          <a:xfrm>
+            <a:off x="1294118" y="5582455"/>
+            <a:ext cx="1034007" cy="215444"/>
+          </a:xfrm>
+          <a:prstGeom prst="rect">
+            <a:avLst/>
+          </a:prstGeom>
+          <a:noFill/>
+        </p:spPr>
+        <p:txBody>
+          <a:bodyPr wrap="square" rtlCol="0">
+            <a:spAutoFit/>
+          </a:bodyPr>
+          <a:lstStyle/>
+          <a:p>
+            <a:r>
+              <a:rPr lang="en-US" sz="800" dirty="0"/>
+              <a:t>Senior developers</a:t>
+            </a:r>
+          </a:p>
+        </p:txBody>
+      </p:sp>
+      <p:pic>
+        <p:nvPicPr>
+          <p:cNvPr id="1041" name="Graphic 23">
+            <a:extLst>
+              <a:ext uri="{FF2B5EF4-FFF2-40B4-BE49-F238E27FC236}">
+                <a16:creationId xmlns:a16="http://schemas.microsoft.com/office/drawing/2014/main" id="{F184FE3B-4A71-B3FF-35EF-FAD9B055C401}"/>
+              </a:ext>
+            </a:extLst>
+          </p:cNvPr>
+          <p:cNvPicPr>
+            <a:picLocks noChangeAspect="1" noChangeArrowheads="1"/>
+          </p:cNvPicPr>
+          <p:nvPr/>
+        </p:nvPicPr>
+        <p:blipFill>
+          <a:blip r:embed="rId5">
+            <a:extLst>
+              <a:ext uri="{96DAC541-7B7A-43D3-8B79-37D633B846F1}">
+                <asvg:svgBlip xmlns:asvg="http://schemas.microsoft.com/office/drawing/2016/SVG/main" r:embed="rId6"/>
+              </a:ext>
+            </a:extLst>
+          </a:blip>
+          <a:srcRect/>
+          <a:stretch/>
+        </p:blipFill>
+        <p:spPr bwMode="auto">
+          <a:xfrm flipH="1">
+            <a:off x="2560630" y="5142772"/>
+            <a:ext cx="469900" cy="469900"/>
+          </a:xfrm>
+          <a:prstGeom prst="rect">
+            <a:avLst/>
+          </a:prstGeom>
+          <a:noFill/>
+          <a:ln>
+            <a:noFill/>
+          </a:ln>
+          <a:extLst>
+            <a:ext uri="{909E8E84-426E-40DD-AFC4-6F175D3DCCD1}">
+              <a14:hiddenFill xmlns:a14="http://schemas.microsoft.com/office/drawing/2010/main">
+                <a:solidFill>
+                  <a:srgbClr val="FFFFFF"/>
+                </a:solidFill>
+              </a14:hiddenFill>
+            </a:ext>
+            <a:ext uri="{91240B29-F687-4F45-9708-019B960494DF}">
+              <a14:hiddenLine xmlns:a14="http://schemas.microsoft.com/office/drawing/2010/main" w="9525">
+                <a:solidFill>
+                  <a:srgbClr val="000000"/>
+                </a:solidFill>
+                <a:miter lim="800000"/>
+                <a:headEnd/>
+                <a:tailEnd/>
+              </a14:hiddenLine>
+            </a:ext>
+          </a:extLst>
+        </p:spPr>
+      </p:pic>
+      <p:sp>
+        <p:nvSpPr>
+          <p:cNvPr id="1042" name="TextBox 1041">
+            <a:extLst>
+              <a:ext uri="{FF2B5EF4-FFF2-40B4-BE49-F238E27FC236}">
+                <a16:creationId xmlns:a16="http://schemas.microsoft.com/office/drawing/2014/main" id="{C180D2BC-E358-0964-59AF-290E4732576A}"/>
+              </a:ext>
+            </a:extLst>
+          </p:cNvPr>
+          <p:cNvSpPr txBox="1"/>
+          <p:nvPr/>
+        </p:nvSpPr>
+        <p:spPr>
+          <a:xfrm>
+            <a:off x="2446822" y="5611715"/>
+            <a:ext cx="702405" cy="215444"/>
+          </a:xfrm>
+          <a:prstGeom prst="rect">
+            <a:avLst/>
+          </a:prstGeom>
+          <a:noFill/>
+        </p:spPr>
+        <p:txBody>
+          <a:bodyPr wrap="square" rtlCol="0">
+            <a:spAutoFit/>
+          </a:bodyPr>
+          <a:lstStyle/>
+          <a:p>
+            <a:r>
+              <a:rPr lang="en-US" sz="800" dirty="0"/>
+              <a:t>Developers</a:t>
+            </a:r>
+          </a:p>
+        </p:txBody>
+      </p:sp>
+      <p:sp>
+        <p:nvSpPr>
+          <p:cNvPr id="1044" name="TextBox 1043">
+            <a:extLst>
+              <a:ext uri="{FF2B5EF4-FFF2-40B4-BE49-F238E27FC236}">
+                <a16:creationId xmlns:a16="http://schemas.microsoft.com/office/drawing/2014/main" id="{9B2451DA-682B-6A86-AFC3-88C98168ACE4}"/>
+              </a:ext>
+            </a:extLst>
+          </p:cNvPr>
+          <p:cNvSpPr txBox="1"/>
+          <p:nvPr/>
+        </p:nvSpPr>
+        <p:spPr>
+          <a:xfrm>
+            <a:off x="1851791" y="6446576"/>
+            <a:ext cx="1034007" cy="338554"/>
+          </a:xfrm>
+          <a:prstGeom prst="rect">
+            <a:avLst/>
+          </a:prstGeom>
+          <a:noFill/>
+        </p:spPr>
+        <p:txBody>
+          <a:bodyPr wrap="square" rtlCol="0">
+            <a:spAutoFit/>
+          </a:bodyPr>
+          <a:lstStyle/>
+          <a:p>
+            <a:r>
+              <a:rPr lang="en-US" sz="800" dirty="0"/>
+              <a:t>Protected branches Permissions policy</a:t>
+            </a:r>
+          </a:p>
+        </p:txBody>
+      </p:sp>
+      <p:pic>
+        <p:nvPicPr>
+          <p:cNvPr id="1045" name="Graphic 35">
+            <a:extLst>
+              <a:ext uri="{FF2B5EF4-FFF2-40B4-BE49-F238E27FC236}">
+                <a16:creationId xmlns:a16="http://schemas.microsoft.com/office/drawing/2014/main" id="{7191BBBD-7DC5-2D61-09DA-17B446EFC37C}"/>
+              </a:ext>
+            </a:extLst>
+          </p:cNvPr>
+          <p:cNvPicPr>
+            <a:picLocks noChangeAspect="1" noChangeArrowheads="1"/>
+          </p:cNvPicPr>
+          <p:nvPr/>
+        </p:nvPicPr>
+        <p:blipFill>
+          <a:blip r:embed="rId9">
+            <a:extLst>
+              <a:ext uri="{28A0092B-C50C-407E-A947-70E740481C1C}">
+                <a14:useLocalDpi xmlns:a14="http://schemas.microsoft.com/office/drawing/2010/main" val="0"/>
+              </a:ext>
+            </a:extLst>
+          </a:blip>
+          <a:srcRect/>
+          <a:stretch>
+            <a:fillRect/>
+          </a:stretch>
+        </p:blipFill>
+        <p:spPr bwMode="auto">
+          <a:xfrm>
+            <a:off x="2099525" y="6061632"/>
+            <a:ext cx="457200" cy="457200"/>
+          </a:xfrm>
+          <a:prstGeom prst="rect">
+            <a:avLst/>
+          </a:prstGeom>
+          <a:noFill/>
+          <a:ln>
+            <a:noFill/>
+          </a:ln>
+          <a:extLst>
+            <a:ext uri="{909E8E84-426E-40DD-AFC4-6F175D3DCCD1}">
+              <a14:hiddenFill xmlns:a14="http://schemas.microsoft.com/office/drawing/2010/main">
+                <a:solidFill>
+                  <a:srgbClr val="FFFFFF"/>
+                </a:solidFill>
+              </a14:hiddenFill>
+            </a:ext>
+            <a:ext uri="{91240B29-F687-4F45-9708-019B960494DF}">
+              <a14:hiddenLine xmlns:a14="http://schemas.microsoft.com/office/drawing/2010/main" w="9525">
+                <a:solidFill>
+                  <a:srgbClr val="000000"/>
+                </a:solidFill>
+                <a:miter lim="800000"/>
+                <a:headEnd/>
+                <a:tailEnd/>
+              </a14:hiddenLine>
+            </a:ext>
+          </a:extLst>
+        </p:spPr>
+      </p:pic>
+      <p:cxnSp>
+        <p:nvCxnSpPr>
+          <p:cNvPr id="1047" name="Straight Connector 1046">
+            <a:extLst>
+              <a:ext uri="{FF2B5EF4-FFF2-40B4-BE49-F238E27FC236}">
+                <a16:creationId xmlns:a16="http://schemas.microsoft.com/office/drawing/2014/main" id="{E56EEDCD-E3A1-E454-105A-C3AB1327F1A8}"/>
+              </a:ext>
+            </a:extLst>
+          </p:cNvPr>
+          <p:cNvCxnSpPr/>
+          <p:nvPr/>
+        </p:nvCxnSpPr>
+        <p:spPr>
+          <a:xfrm>
+            <a:off x="1746934" y="5964610"/>
+            <a:ext cx="1048646" cy="0"/>
+          </a:xfrm>
+          <a:prstGeom prst="line">
+            <a:avLst/>
+          </a:prstGeom>
+        </p:spPr>
+        <p:style>
+          <a:lnRef idx="1">
+            <a:schemeClr val="accent1"/>
+          </a:lnRef>
+          <a:fillRef idx="0">
+            <a:schemeClr val="accent1"/>
+          </a:fillRef>
+          <a:effectRef idx="0">
+            <a:schemeClr val="accent1"/>
+          </a:effectRef>
+          <a:fontRef idx="minor">
+            <a:schemeClr val="tx1"/>
+          </a:fontRef>
+        </p:style>
+      </p:cxnSp>
+      <p:cxnSp>
+        <p:nvCxnSpPr>
+          <p:cNvPr id="1049" name="Straight Arrow Connector 1048">
+            <a:extLst>
+              <a:ext uri="{FF2B5EF4-FFF2-40B4-BE49-F238E27FC236}">
+                <a16:creationId xmlns:a16="http://schemas.microsoft.com/office/drawing/2014/main" id="{97648CA1-4995-B445-0200-40F143868F1C}"/>
+              </a:ext>
+            </a:extLst>
+          </p:cNvPr>
+          <p:cNvCxnSpPr>
+            <a:cxnSpLocks/>
+          </p:cNvCxnSpPr>
+          <p:nvPr/>
+        </p:nvCxnSpPr>
+        <p:spPr>
+          <a:xfrm flipV="1">
+            <a:off x="2795580" y="5779936"/>
+            <a:ext cx="0" cy="184674"/>
+          </a:xfrm>
+          <a:prstGeom prst="straightConnector1">
+            <a:avLst/>
+          </a:prstGeom>
+          <a:ln>
+            <a:tailEnd type="triangle"/>
+          </a:ln>
+        </p:spPr>
+        <p:style>
+          <a:lnRef idx="1">
+            <a:schemeClr val="accent1"/>
+          </a:lnRef>
+          <a:fillRef idx="0">
+            <a:schemeClr val="accent1"/>
+          </a:fillRef>
+          <a:effectRef idx="0">
+            <a:schemeClr val="accent1"/>
+          </a:effectRef>
+          <a:fontRef idx="minor">
+            <a:schemeClr val="tx1"/>
+          </a:fontRef>
+        </p:style>
+      </p:cxnSp>
+      <p:cxnSp>
+        <p:nvCxnSpPr>
+          <p:cNvPr id="1053" name="Straight Arrow Connector 1052">
+            <a:extLst>
+              <a:ext uri="{FF2B5EF4-FFF2-40B4-BE49-F238E27FC236}">
+                <a16:creationId xmlns:a16="http://schemas.microsoft.com/office/drawing/2014/main" id="{F02B31FD-E0B0-0792-C7A2-41BEC9DA306E}"/>
+              </a:ext>
+            </a:extLst>
+          </p:cNvPr>
+          <p:cNvCxnSpPr>
+            <a:cxnSpLocks/>
+          </p:cNvCxnSpPr>
+          <p:nvPr/>
+        </p:nvCxnSpPr>
+        <p:spPr>
+          <a:xfrm flipV="1">
+            <a:off x="1746934" y="5779194"/>
+            <a:ext cx="0" cy="184674"/>
+          </a:xfrm>
+          <a:prstGeom prst="straightConnector1">
+            <a:avLst/>
+          </a:prstGeom>
+          <a:ln>
+            <a:tailEnd type="triangle"/>
+          </a:ln>
+        </p:spPr>
+        <p:style>
+          <a:lnRef idx="1">
+            <a:schemeClr val="accent1"/>
+          </a:lnRef>
+          <a:fillRef idx="0">
+            <a:schemeClr val="accent1"/>
+          </a:fillRef>
+          <a:effectRef idx="0">
+            <a:schemeClr val="accent1"/>
+          </a:effectRef>
+          <a:fontRef idx="minor">
+            <a:schemeClr val="tx1"/>
+          </a:fontRef>
+        </p:style>
+      </p:cxnSp>
+      <p:cxnSp>
+        <p:nvCxnSpPr>
+          <p:cNvPr id="1056" name="Straight Connector 1055">
+            <a:extLst>
+              <a:ext uri="{FF2B5EF4-FFF2-40B4-BE49-F238E27FC236}">
+                <a16:creationId xmlns:a16="http://schemas.microsoft.com/office/drawing/2014/main" id="{AFF574C9-1000-92F4-AF0D-5B1B63A71200}"/>
+              </a:ext>
+            </a:extLst>
+          </p:cNvPr>
+          <p:cNvCxnSpPr>
+            <a:cxnSpLocks/>
+            <a:endCxn id="1045" idx="0"/>
+          </p:cNvCxnSpPr>
+          <p:nvPr/>
+        </p:nvCxnSpPr>
+        <p:spPr>
+          <a:xfrm>
+            <a:off x="2328125" y="5975449"/>
+            <a:ext cx="0" cy="86183"/>
+          </a:xfrm>
+          <a:prstGeom prst="line">
+            <a:avLst/>
+          </a:prstGeom>
+        </p:spPr>
+        <p:style>
+          <a:lnRef idx="1">
+            <a:schemeClr val="accent1"/>
+          </a:lnRef>
+          <a:fillRef idx="0">
+            <a:schemeClr val="accent1"/>
+          </a:fillRef>
+          <a:effectRef idx="0">
+            <a:schemeClr val="accent1"/>
+          </a:effectRef>
+          <a:fontRef idx="minor">
+            <a:schemeClr val="tx1"/>
+          </a:fontRef>
+        </p:style>
+      </p:cxnSp>
+      <p:sp>
+        <p:nvSpPr>
+          <p:cNvPr id="1061" name="Arrow: Left-Up 1060">
+            <a:extLst>
+              <a:ext uri="{FF2B5EF4-FFF2-40B4-BE49-F238E27FC236}">
+                <a16:creationId xmlns:a16="http://schemas.microsoft.com/office/drawing/2014/main" id="{104C4852-01BD-0838-5C2F-EF70A6EB24EF}"/>
+              </a:ext>
+            </a:extLst>
+          </p:cNvPr>
+          <p:cNvSpPr/>
+          <p:nvPr/>
+        </p:nvSpPr>
+        <p:spPr>
+          <a:xfrm rot="10800000">
+            <a:off x="1573524" y="1083038"/>
+            <a:ext cx="340882" cy="4096697"/>
+          </a:xfrm>
+          <a:prstGeom prst="leftUpArrow">
+            <a:avLst/>
+          </a:prstGeom>
+        </p:spPr>
+        <p:style>
+          <a:lnRef idx="2">
+            <a:schemeClr val="accent1">
+              <a:shade val="50000"/>
+            </a:schemeClr>
+          </a:lnRef>
+          <a:fillRef idx="1">
+            <a:schemeClr val="accent1"/>
+          </a:fillRef>
+          <a:effectRef idx="0">
+            <a:schemeClr val="accent1"/>
+          </a:effectRef>
+          <a:fontRef idx="minor">
+            <a:schemeClr val="lt1"/>
+          </a:fontRef>
+        </p:style>
+        <p:txBody>
+          <a:bodyPr rtlCol="0" anchor="ctr"/>
+          <a:lstStyle/>
+          <a:p>
+            <a:pPr algn="ctr"/>
+            <a:endParaRPr lang="en-US"/>
+          </a:p>
+        </p:txBody>
+      </p:sp>
+      <p:sp>
+        <p:nvSpPr>
+          <p:cNvPr id="1063" name="TextBox 1062">
+            <a:extLst>
+              <a:ext uri="{FF2B5EF4-FFF2-40B4-BE49-F238E27FC236}">
+                <a16:creationId xmlns:a16="http://schemas.microsoft.com/office/drawing/2014/main" id="{9F2824C3-CD05-F101-5504-6D9260BCC6CC}"/>
+              </a:ext>
+            </a:extLst>
+          </p:cNvPr>
+          <p:cNvSpPr txBox="1"/>
+          <p:nvPr/>
+        </p:nvSpPr>
+        <p:spPr>
+          <a:xfrm>
+            <a:off x="3250341" y="745190"/>
+            <a:ext cx="1968613" cy="338554"/>
+          </a:xfrm>
+          <a:prstGeom prst="rect">
+            <a:avLst/>
+          </a:prstGeom>
+          <a:noFill/>
+        </p:spPr>
+        <p:txBody>
+          <a:bodyPr wrap="square" rtlCol="0">
+            <a:spAutoFit/>
+          </a:bodyPr>
+          <a:lstStyle/>
+          <a:p>
+            <a:r>
+              <a:rPr lang="en-US" sz="800" dirty="0"/>
+              <a:t>Approval request created when merging any branch to protected branches</a:t>
+            </a:r>
+          </a:p>
+        </p:txBody>
+      </p:sp>
+      <p:sp>
+        <p:nvSpPr>
+          <p:cNvPr id="1064" name="TextBox 1063">
+            <a:extLst>
+              <a:ext uri="{FF2B5EF4-FFF2-40B4-BE49-F238E27FC236}">
+                <a16:creationId xmlns:a16="http://schemas.microsoft.com/office/drawing/2014/main" id="{246216C2-9182-FF1C-BCF2-23AB3C105B74}"/>
+              </a:ext>
+            </a:extLst>
+          </p:cNvPr>
+          <p:cNvSpPr txBox="1"/>
+          <p:nvPr/>
+        </p:nvSpPr>
+        <p:spPr>
+          <a:xfrm rot="16200000">
+            <a:off x="739541" y="2438874"/>
+            <a:ext cx="1344245" cy="461665"/>
+          </a:xfrm>
+          <a:prstGeom prst="rect">
+            <a:avLst/>
+          </a:prstGeom>
+          <a:noFill/>
+        </p:spPr>
+        <p:txBody>
+          <a:bodyPr wrap="square" rtlCol="0">
+            <a:spAutoFit/>
+          </a:bodyPr>
+          <a:lstStyle/>
+          <a:p>
+            <a:r>
+              <a:rPr lang="en-US" sz="800" dirty="0"/>
+              <a:t>Authorized user will approve or reject merge request</a:t>
+            </a:r>
+          </a:p>
+        </p:txBody>
+      </p:sp>
     </p:spTree>
     <p:extLst>
       <p:ext uri="{BB962C8B-B14F-4D97-AF65-F5344CB8AC3E}">
